--- a/fIT.Documents/Quellen/DB-Entwurf.pptx
+++ b/fIT.Documents/Quellen/DB-Entwurf.pptx
@@ -238,7 +238,7 @@
           <a:p>
             <a:fld id="{9E5CA1EC-3497-453D-9459-94C6BB778F2A}" type="datetimeFigureOut">
               <a:rPr lang="de-DE" smtClean="0"/>
-              <a:t>01.09.2015</a:t>
+              <a:t>10.09.2015</a:t>
             </a:fld>
             <a:endParaRPr lang="de-DE"/>
           </a:p>
@@ -408,7 +408,7 @@
           <a:p>
             <a:fld id="{9E5CA1EC-3497-453D-9459-94C6BB778F2A}" type="datetimeFigureOut">
               <a:rPr lang="de-DE" smtClean="0"/>
-              <a:t>01.09.2015</a:t>
+              <a:t>10.09.2015</a:t>
             </a:fld>
             <a:endParaRPr lang="de-DE"/>
           </a:p>
@@ -588,7 +588,7 @@
           <a:p>
             <a:fld id="{9E5CA1EC-3497-453D-9459-94C6BB778F2A}" type="datetimeFigureOut">
               <a:rPr lang="de-DE" smtClean="0"/>
-              <a:t>01.09.2015</a:t>
+              <a:t>10.09.2015</a:t>
             </a:fld>
             <a:endParaRPr lang="de-DE"/>
           </a:p>
@@ -758,7 +758,7 @@
           <a:p>
             <a:fld id="{9E5CA1EC-3497-453D-9459-94C6BB778F2A}" type="datetimeFigureOut">
               <a:rPr lang="de-DE" smtClean="0"/>
-              <a:t>01.09.2015</a:t>
+              <a:t>10.09.2015</a:t>
             </a:fld>
             <a:endParaRPr lang="de-DE"/>
           </a:p>
@@ -1004,7 +1004,7 @@
           <a:p>
             <a:fld id="{9E5CA1EC-3497-453D-9459-94C6BB778F2A}" type="datetimeFigureOut">
               <a:rPr lang="de-DE" smtClean="0"/>
-              <a:t>01.09.2015</a:t>
+              <a:t>10.09.2015</a:t>
             </a:fld>
             <a:endParaRPr lang="de-DE"/>
           </a:p>
@@ -1236,7 +1236,7 @@
           <a:p>
             <a:fld id="{9E5CA1EC-3497-453D-9459-94C6BB778F2A}" type="datetimeFigureOut">
               <a:rPr lang="de-DE" smtClean="0"/>
-              <a:t>01.09.2015</a:t>
+              <a:t>10.09.2015</a:t>
             </a:fld>
             <a:endParaRPr lang="de-DE"/>
           </a:p>
@@ -1603,7 +1603,7 @@
           <a:p>
             <a:fld id="{9E5CA1EC-3497-453D-9459-94C6BB778F2A}" type="datetimeFigureOut">
               <a:rPr lang="de-DE" smtClean="0"/>
-              <a:t>01.09.2015</a:t>
+              <a:t>10.09.2015</a:t>
             </a:fld>
             <a:endParaRPr lang="de-DE"/>
           </a:p>
@@ -1721,7 +1721,7 @@
           <a:p>
             <a:fld id="{9E5CA1EC-3497-453D-9459-94C6BB778F2A}" type="datetimeFigureOut">
               <a:rPr lang="de-DE" smtClean="0"/>
-              <a:t>01.09.2015</a:t>
+              <a:t>10.09.2015</a:t>
             </a:fld>
             <a:endParaRPr lang="de-DE"/>
           </a:p>
@@ -1816,7 +1816,7 @@
           <a:p>
             <a:fld id="{9E5CA1EC-3497-453D-9459-94C6BB778F2A}" type="datetimeFigureOut">
               <a:rPr lang="de-DE" smtClean="0"/>
-              <a:t>01.09.2015</a:t>
+              <a:t>10.09.2015</a:t>
             </a:fld>
             <a:endParaRPr lang="de-DE"/>
           </a:p>
@@ -2093,7 +2093,7 @@
           <a:p>
             <a:fld id="{9E5CA1EC-3497-453D-9459-94C6BB778F2A}" type="datetimeFigureOut">
               <a:rPr lang="de-DE" smtClean="0"/>
-              <a:t>01.09.2015</a:t>
+              <a:t>10.09.2015</a:t>
             </a:fld>
             <a:endParaRPr lang="de-DE"/>
           </a:p>
@@ -2346,7 +2346,7 @@
           <a:p>
             <a:fld id="{9E5CA1EC-3497-453D-9459-94C6BB778F2A}" type="datetimeFigureOut">
               <a:rPr lang="de-DE" smtClean="0"/>
-              <a:t>01.09.2015</a:t>
+              <a:t>10.09.2015</a:t>
             </a:fld>
             <a:endParaRPr lang="de-DE"/>
           </a:p>
@@ -2559,7 +2559,7 @@
           <a:p>
             <a:fld id="{9E5CA1EC-3497-453D-9459-94C6BB778F2A}" type="datetimeFigureOut">
               <a:rPr lang="de-DE" smtClean="0"/>
-              <a:t>01.09.2015</a:t>
+              <a:t>10.09.2015</a:t>
             </a:fld>
             <a:endParaRPr lang="de-DE"/>
           </a:p>
@@ -4110,7 +4110,7 @@
                   <a:schemeClr val="tx1"/>
                 </a:solidFill>
               </a:rPr>
-              <a:t>Repoetitions</a:t>
+              <a:t>Repetitions</a:t>
             </a:r>
             <a:endParaRPr lang="de-DE" sz="1400" dirty="0">
               <a:solidFill>
@@ -4260,7 +4260,7 @@
                   <a:schemeClr val="tx1"/>
                 </a:solidFill>
               </a:rPr>
-              <a:t>NumberOfRepoetions</a:t>
+              <a:t>NumberOfRepetions</a:t>
             </a:r>
             <a:endParaRPr lang="de-DE" sz="1400" dirty="0">
               <a:solidFill>
@@ -5023,6 +5023,186 @@
           </a:fontRef>
         </p:style>
       </p:cxnSp>
+      <p:sp>
+        <p:nvSpPr>
+          <p:cNvPr id="2" name="Textfeld 1"/>
+          <p:cNvSpPr txBox="1"/>
+          <p:nvPr/>
+        </p:nvSpPr>
+        <p:spPr>
+          <a:xfrm>
+            <a:off x="2824485" y="4245428"/>
+            <a:ext cx="256802" cy="261610"/>
+          </a:xfrm>
+          <a:prstGeom prst="rect">
+            <a:avLst/>
+          </a:prstGeom>
+          <a:noFill/>
+        </p:spPr>
+        <p:txBody>
+          <a:bodyPr wrap="none" rtlCol="0">
+            <a:spAutoFit/>
+          </a:bodyPr>
+          <a:lstStyle/>
+          <a:p>
+            <a:r>
+              <a:rPr lang="de-DE" sz="1100" dirty="0" smtClean="0"/>
+              <a:t>1</a:t>
+            </a:r>
+            <a:endParaRPr lang="de-DE" sz="1100" dirty="0"/>
+          </a:p>
+        </p:txBody>
+      </p:sp>
+      <p:sp>
+        <p:nvSpPr>
+          <p:cNvPr id="57" name="Textfeld 56"/>
+          <p:cNvSpPr txBox="1"/>
+          <p:nvPr/>
+        </p:nvSpPr>
+        <p:spPr>
+          <a:xfrm>
+            <a:off x="7005318" y="1792712"/>
+            <a:ext cx="256802" cy="261610"/>
+          </a:xfrm>
+          <a:prstGeom prst="rect">
+            <a:avLst/>
+          </a:prstGeom>
+          <a:noFill/>
+        </p:spPr>
+        <p:txBody>
+          <a:bodyPr wrap="none" rtlCol="0">
+            <a:spAutoFit/>
+          </a:bodyPr>
+          <a:lstStyle/>
+          <a:p>
+            <a:r>
+              <a:rPr lang="de-DE" sz="1100" dirty="0" smtClean="0"/>
+              <a:t>1</a:t>
+            </a:r>
+            <a:endParaRPr lang="de-DE" sz="1100" dirty="0"/>
+          </a:p>
+        </p:txBody>
+      </p:sp>
+      <p:sp>
+        <p:nvSpPr>
+          <p:cNvPr id="3" name="Textfeld 2"/>
+          <p:cNvSpPr txBox="1"/>
+          <p:nvPr/>
+        </p:nvSpPr>
+        <p:spPr>
+          <a:xfrm>
+            <a:off x="2854918" y="1646911"/>
+            <a:ext cx="258404" cy="261610"/>
+          </a:xfrm>
+          <a:prstGeom prst="rect">
+            <a:avLst/>
+          </a:prstGeom>
+          <a:noFill/>
+        </p:spPr>
+        <p:txBody>
+          <a:bodyPr wrap="none" rtlCol="0">
+            <a:spAutoFit/>
+          </a:bodyPr>
+          <a:lstStyle/>
+          <a:p>
+            <a:r>
+              <a:rPr lang="de-DE" sz="1100" dirty="0" smtClean="0"/>
+              <a:t>n</a:t>
+            </a:r>
+            <a:endParaRPr lang="de-DE" sz="1100" dirty="0"/>
+          </a:p>
+        </p:txBody>
+      </p:sp>
+      <p:sp>
+        <p:nvSpPr>
+          <p:cNvPr id="59" name="Textfeld 58"/>
+          <p:cNvSpPr txBox="1"/>
+          <p:nvPr/>
+        </p:nvSpPr>
+        <p:spPr>
+          <a:xfrm>
+            <a:off x="3706025" y="1126073"/>
+            <a:ext cx="258404" cy="261610"/>
+          </a:xfrm>
+          <a:prstGeom prst="rect">
+            <a:avLst/>
+          </a:prstGeom>
+          <a:noFill/>
+        </p:spPr>
+        <p:txBody>
+          <a:bodyPr wrap="none" rtlCol="0">
+            <a:spAutoFit/>
+          </a:bodyPr>
+          <a:lstStyle/>
+          <a:p>
+            <a:r>
+              <a:rPr lang="de-DE" sz="1100" dirty="0" smtClean="0"/>
+              <a:t>n</a:t>
+            </a:r>
+            <a:endParaRPr lang="de-DE" sz="1100" dirty="0"/>
+          </a:p>
+        </p:txBody>
+      </p:sp>
+      <p:sp>
+        <p:nvSpPr>
+          <p:cNvPr id="61" name="Textfeld 60"/>
+          <p:cNvSpPr txBox="1"/>
+          <p:nvPr/>
+        </p:nvSpPr>
+        <p:spPr>
+          <a:xfrm>
+            <a:off x="8244134" y="4960476"/>
+            <a:ext cx="258404" cy="261610"/>
+          </a:xfrm>
+          <a:prstGeom prst="rect">
+            <a:avLst/>
+          </a:prstGeom>
+          <a:noFill/>
+        </p:spPr>
+        <p:txBody>
+          <a:bodyPr wrap="none" rtlCol="0">
+            <a:spAutoFit/>
+          </a:bodyPr>
+          <a:lstStyle/>
+          <a:p>
+            <a:r>
+              <a:rPr lang="de-DE" sz="1100" dirty="0" smtClean="0"/>
+              <a:t>n</a:t>
+            </a:r>
+            <a:endParaRPr lang="de-DE" sz="1100" dirty="0"/>
+          </a:p>
+        </p:txBody>
+      </p:sp>
+      <p:sp>
+        <p:nvSpPr>
+          <p:cNvPr id="62" name="Textfeld 61"/>
+          <p:cNvSpPr txBox="1"/>
+          <p:nvPr/>
+        </p:nvSpPr>
+        <p:spPr>
+          <a:xfrm>
+            <a:off x="8217719" y="1317336"/>
+            <a:ext cx="296876" cy="261610"/>
+          </a:xfrm>
+          <a:prstGeom prst="rect">
+            <a:avLst/>
+          </a:prstGeom>
+          <a:noFill/>
+        </p:spPr>
+        <p:txBody>
+          <a:bodyPr wrap="none" rtlCol="0">
+            <a:spAutoFit/>
+          </a:bodyPr>
+          <a:lstStyle/>
+          <a:p>
+            <a:r>
+              <a:rPr lang="de-DE" sz="1100" dirty="0" smtClean="0"/>
+              <a:t>m</a:t>
+            </a:r>
+            <a:endParaRPr lang="de-DE" sz="1100" dirty="0"/>
+          </a:p>
+        </p:txBody>
+      </p:sp>
     </p:spTree>
     <p:extLst>
       <p:ext uri="{BB962C8B-B14F-4D97-AF65-F5344CB8AC3E}">
@@ -5291,7 +5471,7 @@
   <a:extraClrSchemeLst/>
   <a:extLst>
     <a:ext uri="{05A4C25C-085E-4340-85A3-A5531E510DB2}">
-      <thm15:themeFamily xmlns:thm15="http://schemas.microsoft.com/office/thememl/2012/main" name="Office Theme" id="{62F939B6-93AF-4DB8-9C6B-D6C7DFDC589F}" vid="{4A3C46E8-61CC-4603-A589-7422A47A8E4A}"/>
+      <thm15:themeFamily xmlns:thm15="http://schemas.microsoft.com/office/thememl/2012/main" xmlns="" name="Office Theme" id="{62F939B6-93AF-4DB8-9C6B-D6C7DFDC589F}" vid="{4A3C46E8-61CC-4603-A589-7422A47A8E4A}"/>
     </a:ext>
   </a:extLst>
 </a:theme>
